--- a/00_API_Overview_Introduction/00_API_Overview_Introduction.pptx
+++ b/00_API_Overview_Introduction/00_API_Overview_Introduction.pptx
@@ -134,7 +134,7 @@
   </p:defaultTextStyle>
   <p:extLst>
     <p:ext uri="{EFAFB233-063F-42B5-8137-9DF3F51BA10A}">
-      <p15:sldGuideLst xmlns:p15="http://schemas.microsoft.com/office/powerpoint/2012/main">
+      <p15:sldGuideLst xmlns:p15="http://schemas.microsoft.com/office/powerpoint/2012/main" xmlns="">
         <p15:guide id="1" orient="horz" pos="2160">
           <p15:clr>
             <a:srgbClr val="A4A3A4"/>
@@ -333,7 +333,7 @@
             <a:fld id="{1D8BD707-D9CF-40AE-B4C6-C98DA3205C09}" type="datetimeFigureOut">
               <a:rPr lang="en-US" smtClean="0"/>
               <a:pPr/>
-              <a:t>3/18/2013</a:t>
+              <a:t>9/10/2013</a:t>
             </a:fld>
             <a:endParaRPr lang="en-US"/>
           </a:p>
@@ -376,7 +376,7 @@
             <a:fld id="{B6F15528-21DE-4FAA-801E-634DDDAF4B2B}" type="slidenum">
               <a:rPr lang="en-US" smtClean="0"/>
               <a:pPr/>
-              <a:t>‹N°›</a:t>
+              <a:t>‹#›</a:t>
             </a:fld>
             <a:endParaRPr lang="en-US"/>
           </a:p>
@@ -500,7 +500,7 @@
             <a:fld id="{1D8BD707-D9CF-40AE-B4C6-C98DA3205C09}" type="datetimeFigureOut">
               <a:rPr lang="en-US" smtClean="0"/>
               <a:pPr/>
-              <a:t>3/18/2013</a:t>
+              <a:t>9/10/2013</a:t>
             </a:fld>
             <a:endParaRPr lang="en-US"/>
           </a:p>
@@ -543,7 +543,7 @@
             <a:fld id="{B6F15528-21DE-4FAA-801E-634DDDAF4B2B}" type="slidenum">
               <a:rPr lang="en-US" smtClean="0"/>
               <a:pPr/>
-              <a:t>‹N°›</a:t>
+              <a:t>‹#›</a:t>
             </a:fld>
             <a:endParaRPr lang="en-US"/>
           </a:p>
@@ -677,7 +677,7 @@
             <a:fld id="{1D8BD707-D9CF-40AE-B4C6-C98DA3205C09}" type="datetimeFigureOut">
               <a:rPr lang="en-US" smtClean="0"/>
               <a:pPr/>
-              <a:t>3/18/2013</a:t>
+              <a:t>9/10/2013</a:t>
             </a:fld>
             <a:endParaRPr lang="en-US"/>
           </a:p>
@@ -720,7 +720,7 @@
             <a:fld id="{B6F15528-21DE-4FAA-801E-634DDDAF4B2B}" type="slidenum">
               <a:rPr lang="en-US" smtClean="0"/>
               <a:pPr/>
-              <a:t>‹N°›</a:t>
+              <a:t>‹#›</a:t>
             </a:fld>
             <a:endParaRPr lang="en-US"/>
           </a:p>
@@ -844,7 +844,7 @@
             <a:fld id="{1D8BD707-D9CF-40AE-B4C6-C98DA3205C09}" type="datetimeFigureOut">
               <a:rPr lang="en-US" smtClean="0"/>
               <a:pPr/>
-              <a:t>3/18/2013</a:t>
+              <a:t>9/10/2013</a:t>
             </a:fld>
             <a:endParaRPr lang="en-US"/>
           </a:p>
@@ -887,7 +887,7 @@
             <a:fld id="{B6F15528-21DE-4FAA-801E-634DDDAF4B2B}" type="slidenum">
               <a:rPr lang="en-US" smtClean="0"/>
               <a:pPr/>
-              <a:t>‹N°›</a:t>
+              <a:t>‹#›</a:t>
             </a:fld>
             <a:endParaRPr lang="en-US"/>
           </a:p>
@@ -1087,7 +1087,7 @@
             <a:fld id="{1D8BD707-D9CF-40AE-B4C6-C98DA3205C09}" type="datetimeFigureOut">
               <a:rPr lang="en-US" smtClean="0"/>
               <a:pPr/>
-              <a:t>3/18/2013</a:t>
+              <a:t>9/10/2013</a:t>
             </a:fld>
             <a:endParaRPr lang="en-US"/>
           </a:p>
@@ -1130,7 +1130,7 @@
             <a:fld id="{B6F15528-21DE-4FAA-801E-634DDDAF4B2B}" type="slidenum">
               <a:rPr lang="en-US" smtClean="0"/>
               <a:pPr/>
-              <a:t>‹N°›</a:t>
+              <a:t>‹#›</a:t>
             </a:fld>
             <a:endParaRPr lang="en-US"/>
           </a:p>
@@ -1372,7 +1372,7 @@
             <a:fld id="{1D8BD707-D9CF-40AE-B4C6-C98DA3205C09}" type="datetimeFigureOut">
               <a:rPr lang="en-US" smtClean="0"/>
               <a:pPr/>
-              <a:t>3/18/2013</a:t>
+              <a:t>9/10/2013</a:t>
             </a:fld>
             <a:endParaRPr lang="en-US"/>
           </a:p>
@@ -1415,7 +1415,7 @@
             <a:fld id="{B6F15528-21DE-4FAA-801E-634DDDAF4B2B}" type="slidenum">
               <a:rPr lang="en-US" smtClean="0"/>
               <a:pPr/>
-              <a:t>‹N°›</a:t>
+              <a:t>‹#›</a:t>
             </a:fld>
             <a:endParaRPr lang="en-US"/>
           </a:p>
@@ -1791,7 +1791,7 @@
             <a:fld id="{1D8BD707-D9CF-40AE-B4C6-C98DA3205C09}" type="datetimeFigureOut">
               <a:rPr lang="en-US" smtClean="0"/>
               <a:pPr/>
-              <a:t>3/18/2013</a:t>
+              <a:t>9/10/2013</a:t>
             </a:fld>
             <a:endParaRPr lang="en-US"/>
           </a:p>
@@ -1834,7 +1834,7 @@
             <a:fld id="{B6F15528-21DE-4FAA-801E-634DDDAF4B2B}" type="slidenum">
               <a:rPr lang="en-US" smtClean="0"/>
               <a:pPr/>
-              <a:t>‹N°›</a:t>
+              <a:t>‹#›</a:t>
             </a:fld>
             <a:endParaRPr lang="en-US"/>
           </a:p>
@@ -1906,7 +1906,7 @@
             <a:fld id="{1D8BD707-D9CF-40AE-B4C6-C98DA3205C09}" type="datetimeFigureOut">
               <a:rPr lang="en-US" smtClean="0"/>
               <a:pPr/>
-              <a:t>3/18/2013</a:t>
+              <a:t>9/10/2013</a:t>
             </a:fld>
             <a:endParaRPr lang="en-US"/>
           </a:p>
@@ -1949,7 +1949,7 @@
             <a:fld id="{B6F15528-21DE-4FAA-801E-634DDDAF4B2B}" type="slidenum">
               <a:rPr lang="en-US" smtClean="0"/>
               <a:pPr/>
-              <a:t>‹N°›</a:t>
+              <a:t>‹#›</a:t>
             </a:fld>
             <a:endParaRPr lang="en-US"/>
           </a:p>
@@ -1998,7 +1998,7 @@
             <a:fld id="{1D8BD707-D9CF-40AE-B4C6-C98DA3205C09}" type="datetimeFigureOut">
               <a:rPr lang="en-US" smtClean="0"/>
               <a:pPr/>
-              <a:t>3/18/2013</a:t>
+              <a:t>9/10/2013</a:t>
             </a:fld>
             <a:endParaRPr lang="en-US"/>
           </a:p>
@@ -2041,7 +2041,7 @@
             <a:fld id="{B6F15528-21DE-4FAA-801E-634DDDAF4B2B}" type="slidenum">
               <a:rPr lang="en-US" smtClean="0"/>
               <a:pPr/>
-              <a:t>‹N°›</a:t>
+              <a:t>‹#›</a:t>
             </a:fld>
             <a:endParaRPr lang="en-US"/>
           </a:p>
@@ -2272,7 +2272,7 @@
             <a:fld id="{1D8BD707-D9CF-40AE-B4C6-C98DA3205C09}" type="datetimeFigureOut">
               <a:rPr lang="en-US" smtClean="0"/>
               <a:pPr/>
-              <a:t>3/18/2013</a:t>
+              <a:t>9/10/2013</a:t>
             </a:fld>
             <a:endParaRPr lang="en-US"/>
           </a:p>
@@ -2315,7 +2315,7 @@
             <a:fld id="{B6F15528-21DE-4FAA-801E-634DDDAF4B2B}" type="slidenum">
               <a:rPr lang="en-US" smtClean="0"/>
               <a:pPr/>
-              <a:t>‹N°›</a:t>
+              <a:t>‹#›</a:t>
             </a:fld>
             <a:endParaRPr lang="en-US"/>
           </a:p>
@@ -2522,7 +2522,7 @@
             <a:fld id="{1D8BD707-D9CF-40AE-B4C6-C98DA3205C09}" type="datetimeFigureOut">
               <a:rPr lang="en-US" smtClean="0"/>
               <a:pPr/>
-              <a:t>3/18/2013</a:t>
+              <a:t>9/10/2013</a:t>
             </a:fld>
             <a:endParaRPr lang="en-US"/>
           </a:p>
@@ -2565,7 +2565,7 @@
             <a:fld id="{B6F15528-21DE-4FAA-801E-634DDDAF4B2B}" type="slidenum">
               <a:rPr lang="en-US" smtClean="0"/>
               <a:pPr/>
-              <a:t>‹N°›</a:t>
+              <a:t>‹#›</a:t>
             </a:fld>
             <a:endParaRPr lang="en-US"/>
           </a:p>
@@ -2732,7 +2732,7 @@
             <a:fld id="{1D8BD707-D9CF-40AE-B4C6-C98DA3205C09}" type="datetimeFigureOut">
               <a:rPr lang="en-US" smtClean="0"/>
               <a:pPr/>
-              <a:t>3/18/2013</a:t>
+              <a:t>9/10/2013</a:t>
             </a:fld>
             <a:endParaRPr lang="en-US"/>
           </a:p>
@@ -2811,7 +2811,7 @@
             <a:fld id="{B6F15528-21DE-4FAA-801E-634DDDAF4B2B}" type="slidenum">
               <a:rPr lang="en-US" smtClean="0"/>
               <a:pPr/>
-              <a:t>‹N°›</a:t>
+              <a:t>‹#›</a:t>
             </a:fld>
             <a:endParaRPr lang="en-US"/>
           </a:p>
@@ -34464,7 +34464,7 @@
         <p:spPr>
           <a:xfrm>
             <a:off x="317500" y="622300"/>
-            <a:ext cx="7073900" cy="3073400"/>
+            <a:ext cx="6652462" cy="3123932"/>
           </a:xfrm>
           <a:prstGeom prst="rect">
             <a:avLst/>
@@ -34799,14 +34799,14 @@
               <a:t>   </a:t>
             </a:r>
             <a:r>
-              <a:rPr lang="en-US" altLang="zh-CN" sz="2402" dirty="0" smtClean="0">
-                <a:solidFill>
-                  <a:srgbClr val="FFFFFF"/>
-                </a:solidFill>
-                <a:latin typeface="Times New Roman" pitchFamily="18" charset="0"/>
-                <a:cs typeface="Times New Roman" pitchFamily="18" charset="0"/>
-              </a:rPr>
-              <a:t>6</a:t>
+              <a:rPr lang="en-US" altLang="zh-CN" sz="2402" dirty="0">
+                <a:solidFill>
+                  <a:srgbClr val="FFFFFF"/>
+                </a:solidFill>
+                <a:latin typeface="Times New Roman" pitchFamily="18" charset="0"/>
+                <a:cs typeface="Times New Roman" pitchFamily="18" charset="0"/>
+              </a:rPr>
+              <a:t>7</a:t>
             </a:r>
             <a:r>
               <a:rPr lang="en-US" altLang="zh-CN" sz="2402" dirty="0" smtClean="0">
